--- a/6. 디자인 패턴 2.pptx
+++ b/6. 디자인 패턴 2.pptx
@@ -35,11 +35,10 @@
     <p:sldId id="371" r:id="rId29"/>
     <p:sldId id="370" r:id="rId30"/>
     <p:sldId id="372" r:id="rId31"/>
-    <p:sldId id="373" r:id="rId32"/>
-    <p:sldId id="374" r:id="rId33"/>
-    <p:sldId id="375" r:id="rId34"/>
-    <p:sldId id="354" r:id="rId35"/>
-    <p:sldId id="277" r:id="rId36"/>
+    <p:sldId id="374" r:id="rId32"/>
+    <p:sldId id="375" r:id="rId33"/>
+    <p:sldId id="354" r:id="rId34"/>
+    <p:sldId id="277" r:id="rId35"/>
   </p:sldIdLst>
   <p:sldSz cx="12192000" cy="6858000"/>
   <p:notesSz cx="6858000" cy="9144000"/>
@@ -12964,7 +12963,7 @@
                 <a:latin typeface="나눔스퀘어라운드OTF Light" panose="020B0600000101010101" pitchFamily="34" charset="-127"/>
                 <a:ea typeface="나눔스퀘어라운드OTF Light" panose="020B0600000101010101" pitchFamily="34" charset="-127"/>
               </a:rPr>
-              <a:t>프로토타입은 이벤트의 발생과 처리를 분리하게 만드는 디자인 패턴</a:t>
+              <a:t>관찰자는 이벤트의 발생과 처리를 분리하게 만드는 디자인 패턴</a:t>
             </a:r>
             <a:endParaRPr lang="en-US" altLang="ko-KR" sz="1600">
               <a:latin typeface="나눔스퀘어라운드OTF Light" panose="020B0600000101010101" pitchFamily="34" charset="-127"/>
@@ -14915,6 +14914,16 @@
             <a:r>
               <a:rPr lang="en-US" altLang="ko-KR" sz="1600" b="0">
                 <a:solidFill>
+                  <a:srgbClr val="6BA77F"/>
+                </a:solidFill>
+                <a:effectLst/>
+                <a:latin typeface="Consolas" panose="020B0609020204030204" pitchFamily="49" charset="0"/>
+              </a:rPr>
+              <a:t>public </a:t>
+            </a:r>
+            <a:r>
+              <a:rPr lang="en-US" altLang="ko-KR" sz="1600" b="0">
+                <a:solidFill>
                   <a:srgbClr val="8293A4"/>
                 </a:solidFill>
                 <a:effectLst/>
@@ -15759,7 +15768,7 @@
         </p:nvSpPr>
         <p:spPr>
           <a:xfrm>
-            <a:off x="4599629" y="4390493"/>
+            <a:off x="4599629" y="5242178"/>
             <a:ext cx="2993128" cy="338554"/>
           </a:xfrm>
           <a:prstGeom prst="rect">
@@ -15802,8 +15811,8 @@
         </p:nvSpPr>
         <p:spPr>
           <a:xfrm>
-            <a:off x="1455821" y="1729646"/>
-            <a:ext cx="9280358" cy="1569660"/>
+            <a:off x="1455821" y="1416825"/>
+            <a:ext cx="9280358" cy="3046988"/>
           </a:xfrm>
           <a:prstGeom prst="rect">
             <a:avLst/>
@@ -15819,6 +15828,16 @@
             <a:r>
               <a:rPr lang="en-US" altLang="ko-KR" sz="1600" b="0">
                 <a:solidFill>
+                  <a:srgbClr val="6BA77F"/>
+                </a:solidFill>
+                <a:effectLst/>
+                <a:latin typeface="Consolas" panose="020B0609020204030204" pitchFamily="49" charset="0"/>
+              </a:rPr>
+              <a:t>public </a:t>
+            </a:r>
+            <a:r>
+              <a:rPr lang="en-US" altLang="ko-KR" sz="1600" b="0">
+                <a:solidFill>
                   <a:srgbClr val="8293A4"/>
                 </a:solidFill>
                 <a:effectLst/>
@@ -15850,6 +15869,75 @@
             </a:r>
           </a:p>
           <a:p>
+            <a:r>
+              <a:rPr lang="en-US" altLang="ko-KR" sz="1600" b="0">
+                <a:solidFill>
+                  <a:srgbClr val="465360"/>
+                </a:solidFill>
+                <a:effectLst/>
+                <a:latin typeface="Consolas" panose="020B0609020204030204" pitchFamily="49" charset="0"/>
+              </a:rPr>
+              <a:t>    public abstract class Event { }</a:t>
+            </a:r>
+          </a:p>
+          <a:p>
+            <a:r>
+              <a:rPr lang="en-US" altLang="ko-KR" sz="1600" b="0">
+                <a:solidFill>
+                  <a:srgbClr val="465360"/>
+                </a:solidFill>
+                <a:effectLst/>
+                <a:latin typeface="Consolas" panose="020B0609020204030204" pitchFamily="49" charset="0"/>
+              </a:rPr>
+              <a:t>    public interface Observer</a:t>
+            </a:r>
+          </a:p>
+          <a:p>
+            <a:r>
+              <a:rPr lang="en-US" altLang="ko-KR" sz="1600" b="0">
+                <a:solidFill>
+                  <a:srgbClr val="465360"/>
+                </a:solidFill>
+                <a:effectLst/>
+                <a:latin typeface="Consolas" panose="020B0609020204030204" pitchFamily="49" charset="0"/>
+              </a:rPr>
+              <a:t>    {</a:t>
+            </a:r>
+          </a:p>
+          <a:p>
+            <a:r>
+              <a:rPr lang="en-US" altLang="ko-KR" sz="1600" b="0">
+                <a:solidFill>
+                  <a:srgbClr val="465360"/>
+                </a:solidFill>
+                <a:effectLst/>
+                <a:latin typeface="Consolas" panose="020B0609020204030204" pitchFamily="49" charset="0"/>
+              </a:rPr>
+              <a:t>        void OnNotify(Subject.Event e);</a:t>
+            </a:r>
+          </a:p>
+          <a:p>
+            <a:r>
+              <a:rPr lang="en-US" altLang="ko-KR" sz="1600" b="0">
+                <a:solidFill>
+                  <a:srgbClr val="465360"/>
+                </a:solidFill>
+                <a:effectLst/>
+                <a:latin typeface="Consolas" panose="020B0609020204030204" pitchFamily="49" charset="0"/>
+              </a:rPr>
+              <a:t>    }</a:t>
+            </a:r>
+          </a:p>
+          <a:p>
+            <a:br>
+              <a:rPr lang="en-US" altLang="ko-KR" sz="1600" b="0">
+                <a:solidFill>
+                  <a:srgbClr val="465360"/>
+                </a:solidFill>
+                <a:effectLst/>
+                <a:latin typeface="Consolas" panose="020B0609020204030204" pitchFamily="49" charset="0"/>
+              </a:rPr>
+            </a:br>
             <a:r>
               <a:rPr lang="en-US" altLang="ko-KR" sz="1600" b="0">
                 <a:solidFill>
@@ -15962,7 +16050,7 @@
     </p:spTree>
     <p:extLst>
       <p:ext uri="{BB962C8B-B14F-4D97-AF65-F5344CB8AC3E}">
-        <p14:creationId xmlns:p14="http://schemas.microsoft.com/office/powerpoint/2010/main" val="588556591"/>
+        <p14:creationId xmlns:p14="http://schemas.microsoft.com/office/powerpoint/2010/main" val="1795379066"/>
       </p:ext>
     </p:extLst>
   </p:cSld>
@@ -16112,428 +16200,6 @@
         </p:nvSpPr>
         <p:spPr>
           <a:xfrm>
-            <a:off x="4599629" y="5242178"/>
-            <a:ext cx="2993128" cy="338554"/>
-          </a:xfrm>
-          <a:prstGeom prst="rect">
-            <a:avLst/>
-          </a:prstGeom>
-          <a:noFill/>
-        </p:spPr>
-        <p:txBody>
-          <a:bodyPr wrap="none" rtlCol="0">
-            <a:spAutoFit/>
-          </a:bodyPr>
-          <a:lstStyle/>
-          <a:p>
-            <a:pPr algn="ctr"/>
-            <a:r>
-              <a:rPr lang="ko-KR" altLang="en-US" sz="1600">
-                <a:latin typeface="나눔스퀘어라운드OTF Light" panose="020B0600000101010101" pitchFamily="34" charset="-127"/>
-                <a:ea typeface="나눔스퀘어라운드OTF Light" panose="020B0600000101010101" pitchFamily="34" charset="-127"/>
-              </a:rPr>
-              <a:t>인터페이스로 주체를 만들어도 됨</a:t>
-            </a:r>
-            <a:endParaRPr lang="en-US" altLang="ko-KR" sz="1600">
-              <a:latin typeface="나눔스퀘어라운드OTF Light" panose="020B0600000101010101" pitchFamily="34" charset="-127"/>
-              <a:ea typeface="나눔스퀘어라운드OTF Light" panose="020B0600000101010101" pitchFamily="34" charset="-127"/>
-            </a:endParaRPr>
-          </a:p>
-        </p:txBody>
-      </p:sp>
-      <p:sp>
-        <p:nvSpPr>
-          <p:cNvPr id="6" name="TextBox 5">
-            <a:extLst>
-              <a:ext uri="{FF2B5EF4-FFF2-40B4-BE49-F238E27FC236}">
-                <a16:creationId xmlns:a16="http://schemas.microsoft.com/office/drawing/2014/main" id="{3F3FEC82-3CB2-21E4-F4AB-DFFD925F5439}"/>
-              </a:ext>
-            </a:extLst>
-          </p:cNvPr>
-          <p:cNvSpPr txBox="1"/>
-          <p:nvPr/>
-        </p:nvSpPr>
-        <p:spPr>
-          <a:xfrm>
-            <a:off x="1455821" y="1416825"/>
-            <a:ext cx="9280358" cy="3046988"/>
-          </a:xfrm>
-          <a:prstGeom prst="rect">
-            <a:avLst/>
-          </a:prstGeom>
-          <a:noFill/>
-        </p:spPr>
-        <p:txBody>
-          <a:bodyPr wrap="square">
-            <a:spAutoFit/>
-          </a:bodyPr>
-          <a:lstStyle/>
-          <a:p>
-            <a:r>
-              <a:rPr lang="en-US" altLang="ko-KR" sz="1600" b="0">
-                <a:solidFill>
-                  <a:srgbClr val="8293A4"/>
-                </a:solidFill>
-                <a:effectLst/>
-                <a:latin typeface="Consolas" panose="020B0609020204030204" pitchFamily="49" charset="0"/>
-              </a:rPr>
-              <a:t>interface</a:t>
-            </a:r>
-            <a:r>
-              <a:rPr lang="en-US" altLang="ko-KR" sz="1600" b="0">
-                <a:solidFill>
-                  <a:srgbClr val="465360"/>
-                </a:solidFill>
-                <a:effectLst/>
-                <a:latin typeface="Consolas" panose="020B0609020204030204" pitchFamily="49" charset="0"/>
-              </a:rPr>
-              <a:t> Subject</a:t>
-            </a:r>
-          </a:p>
-          <a:p>
-            <a:r>
-              <a:rPr lang="en-US" altLang="ko-KR" sz="1600" b="0">
-                <a:solidFill>
-                  <a:srgbClr val="465360"/>
-                </a:solidFill>
-                <a:effectLst/>
-                <a:latin typeface="Consolas" panose="020B0609020204030204" pitchFamily="49" charset="0"/>
-              </a:rPr>
-              <a:t>{</a:t>
-            </a:r>
-          </a:p>
-          <a:p>
-            <a:r>
-              <a:rPr lang="en-US" altLang="ko-KR" sz="1600" b="0">
-                <a:solidFill>
-                  <a:srgbClr val="465360"/>
-                </a:solidFill>
-                <a:effectLst/>
-                <a:latin typeface="Consolas" panose="020B0609020204030204" pitchFamily="49" charset="0"/>
-              </a:rPr>
-              <a:t>    public abstract class Event { }</a:t>
-            </a:r>
-          </a:p>
-          <a:p>
-            <a:r>
-              <a:rPr lang="en-US" altLang="ko-KR" sz="1600" b="0">
-                <a:solidFill>
-                  <a:srgbClr val="465360"/>
-                </a:solidFill>
-                <a:effectLst/>
-                <a:latin typeface="Consolas" panose="020B0609020204030204" pitchFamily="49" charset="0"/>
-              </a:rPr>
-              <a:t>    public interface Observer</a:t>
-            </a:r>
-          </a:p>
-          <a:p>
-            <a:r>
-              <a:rPr lang="en-US" altLang="ko-KR" sz="1600" b="0">
-                <a:solidFill>
-                  <a:srgbClr val="465360"/>
-                </a:solidFill>
-                <a:effectLst/>
-                <a:latin typeface="Consolas" panose="020B0609020204030204" pitchFamily="49" charset="0"/>
-              </a:rPr>
-              <a:t>    {</a:t>
-            </a:r>
-          </a:p>
-          <a:p>
-            <a:r>
-              <a:rPr lang="en-US" altLang="ko-KR" sz="1600" b="0">
-                <a:solidFill>
-                  <a:srgbClr val="465360"/>
-                </a:solidFill>
-                <a:effectLst/>
-                <a:latin typeface="Consolas" panose="020B0609020204030204" pitchFamily="49" charset="0"/>
-              </a:rPr>
-              <a:t>        void OnNotify(Subject.Event e);</a:t>
-            </a:r>
-          </a:p>
-          <a:p>
-            <a:r>
-              <a:rPr lang="en-US" altLang="ko-KR" sz="1600" b="0">
-                <a:solidFill>
-                  <a:srgbClr val="465360"/>
-                </a:solidFill>
-                <a:effectLst/>
-                <a:latin typeface="Consolas" panose="020B0609020204030204" pitchFamily="49" charset="0"/>
-              </a:rPr>
-              <a:t>    }</a:t>
-            </a:r>
-          </a:p>
-          <a:p>
-            <a:br>
-              <a:rPr lang="en-US" altLang="ko-KR" sz="1600" b="0">
-                <a:solidFill>
-                  <a:srgbClr val="465360"/>
-                </a:solidFill>
-                <a:effectLst/>
-                <a:latin typeface="Consolas" panose="020B0609020204030204" pitchFamily="49" charset="0"/>
-              </a:rPr>
-            </a:br>
-            <a:r>
-              <a:rPr lang="en-US" altLang="ko-KR" sz="1600" b="0">
-                <a:solidFill>
-                  <a:srgbClr val="465360"/>
-                </a:solidFill>
-                <a:effectLst/>
-                <a:latin typeface="Consolas" panose="020B0609020204030204" pitchFamily="49" charset="0"/>
-              </a:rPr>
-              <a:t>    </a:t>
-            </a:r>
-            <a:r>
-              <a:rPr lang="en-US" altLang="ko-KR" sz="1600" b="0">
-                <a:solidFill>
-                  <a:srgbClr val="228A96"/>
-                </a:solidFill>
-                <a:effectLst/>
-                <a:latin typeface="Consolas" panose="020B0609020204030204" pitchFamily="49" charset="0"/>
-              </a:rPr>
-              <a:t>void</a:t>
-            </a:r>
-            <a:r>
-              <a:rPr lang="en-US" altLang="ko-KR" sz="1600" b="0">
-                <a:solidFill>
-                  <a:srgbClr val="465360"/>
-                </a:solidFill>
-                <a:effectLst/>
-                <a:latin typeface="Consolas" panose="020B0609020204030204" pitchFamily="49" charset="0"/>
-              </a:rPr>
-              <a:t> AddObserver(Observer observer);</a:t>
-            </a:r>
-          </a:p>
-          <a:p>
-            <a:r>
-              <a:rPr lang="en-US" altLang="ko-KR" sz="1600" b="0">
-                <a:solidFill>
-                  <a:srgbClr val="465360"/>
-                </a:solidFill>
-                <a:effectLst/>
-                <a:latin typeface="Consolas" panose="020B0609020204030204" pitchFamily="49" charset="0"/>
-              </a:rPr>
-              <a:t>    </a:t>
-            </a:r>
-            <a:r>
-              <a:rPr lang="en-US" altLang="ko-KR" sz="1600" b="0">
-                <a:solidFill>
-                  <a:srgbClr val="228A96"/>
-                </a:solidFill>
-                <a:effectLst/>
-                <a:latin typeface="Consolas" panose="020B0609020204030204" pitchFamily="49" charset="0"/>
-              </a:rPr>
-              <a:t>void</a:t>
-            </a:r>
-            <a:r>
-              <a:rPr lang="en-US" altLang="ko-KR" sz="1600" b="0">
-                <a:solidFill>
-                  <a:srgbClr val="465360"/>
-                </a:solidFill>
-                <a:effectLst/>
-                <a:latin typeface="Consolas" panose="020B0609020204030204" pitchFamily="49" charset="0"/>
-              </a:rPr>
-              <a:t> RemoveObserver(Observer observer);</a:t>
-            </a:r>
-          </a:p>
-          <a:p>
-            <a:r>
-              <a:rPr lang="en-US" altLang="ko-KR" sz="1600" b="0">
-                <a:solidFill>
-                  <a:srgbClr val="465360"/>
-                </a:solidFill>
-                <a:effectLst/>
-                <a:latin typeface="Consolas" panose="020B0609020204030204" pitchFamily="49" charset="0"/>
-              </a:rPr>
-              <a:t>    </a:t>
-            </a:r>
-            <a:r>
-              <a:rPr lang="en-US" altLang="ko-KR" sz="1600" b="0">
-                <a:solidFill>
-                  <a:srgbClr val="228A96"/>
-                </a:solidFill>
-                <a:effectLst/>
-                <a:latin typeface="Consolas" panose="020B0609020204030204" pitchFamily="49" charset="0"/>
-              </a:rPr>
-              <a:t>void</a:t>
-            </a:r>
-            <a:r>
-              <a:rPr lang="en-US" altLang="ko-KR" sz="1600" b="0">
-                <a:solidFill>
-                  <a:srgbClr val="465360"/>
-                </a:solidFill>
-                <a:effectLst/>
-                <a:latin typeface="Consolas" panose="020B0609020204030204" pitchFamily="49" charset="0"/>
-              </a:rPr>
-              <a:t> Notify();</a:t>
-            </a:r>
-          </a:p>
-          <a:p>
-            <a:r>
-              <a:rPr lang="en-US" altLang="ko-KR" sz="1600" b="0">
-                <a:solidFill>
-                  <a:srgbClr val="465360"/>
-                </a:solidFill>
-                <a:effectLst/>
-                <a:latin typeface="Consolas" panose="020B0609020204030204" pitchFamily="49" charset="0"/>
-              </a:rPr>
-              <a:t>}</a:t>
-            </a:r>
-          </a:p>
-        </p:txBody>
-      </p:sp>
-    </p:spTree>
-    <p:extLst>
-      <p:ext uri="{BB962C8B-B14F-4D97-AF65-F5344CB8AC3E}">
-        <p14:creationId xmlns:p14="http://schemas.microsoft.com/office/powerpoint/2010/main" val="1795379066"/>
-      </p:ext>
-    </p:extLst>
-  </p:cSld>
-  <p:clrMapOvr>
-    <a:masterClrMapping/>
-  </p:clrMapOvr>
-</p:sld>
-</file>
-
-<file path=ppt/slides/slide33.xml><?xml version="1.0" encoding="utf-8"?>
-<p:sld xmlns:a="http://schemas.openxmlformats.org/drawingml/2006/main" xmlns:r="http://schemas.openxmlformats.org/officeDocument/2006/relationships" xmlns:p="http://schemas.openxmlformats.org/presentationml/2006/main">
-  <p:cSld>
-    <p:spTree>
-      <p:nvGrpSpPr>
-        <p:cNvPr id="1" name=""/>
-        <p:cNvGrpSpPr/>
-        <p:nvPr/>
-      </p:nvGrpSpPr>
-      <p:grpSpPr>
-        <a:xfrm>
-          <a:off x="0" y="0"/>
-          <a:ext cx="0" cy="0"/>
-          <a:chOff x="0" y="0"/>
-          <a:chExt cx="0" cy="0"/>
-        </a:xfrm>
-      </p:grpSpPr>
-      <p:sp>
-        <p:nvSpPr>
-          <p:cNvPr id="2" name="TextBox 1">
-            <a:extLst>
-              <a:ext uri="{FF2B5EF4-FFF2-40B4-BE49-F238E27FC236}">
-                <a16:creationId xmlns:a16="http://schemas.microsoft.com/office/drawing/2014/main" id="{3DC98FD7-9B0F-CBA0-4117-3560D27C919A}"/>
-              </a:ext>
-            </a:extLst>
-          </p:cNvPr>
-          <p:cNvSpPr txBox="1"/>
-          <p:nvPr/>
-        </p:nvSpPr>
-        <p:spPr>
-          <a:xfrm>
-            <a:off x="119743" y="130629"/>
-            <a:ext cx="958917" cy="338554"/>
-          </a:xfrm>
-          <a:prstGeom prst="rect">
-            <a:avLst/>
-          </a:prstGeom>
-          <a:noFill/>
-        </p:spPr>
-        <p:txBody>
-          <a:bodyPr wrap="none" rtlCol="0">
-            <a:spAutoFit/>
-          </a:bodyPr>
-          <a:lstStyle/>
-          <a:p>
-            <a:r>
-              <a:rPr lang="en-US" altLang="ko-KR" sz="1600">
-                <a:latin typeface="나눔스퀘어라운드OTF Light" panose="020B0600000101010101" pitchFamily="34" charset="-127"/>
-                <a:ea typeface="나눔스퀘어라운드OTF Light" panose="020B0600000101010101" pitchFamily="34" charset="-127"/>
-              </a:rPr>
-              <a:t>3. </a:t>
-            </a:r>
-            <a:r>
-              <a:rPr lang="ko-KR" altLang="en-US" sz="1600">
-                <a:latin typeface="나눔스퀘어라운드OTF Light" panose="020B0600000101010101" pitchFamily="34" charset="-127"/>
-                <a:ea typeface="나눔스퀘어라운드OTF Light" panose="020B0600000101010101" pitchFamily="34" charset="-127"/>
-              </a:rPr>
-              <a:t>관찰자</a:t>
-            </a:r>
-            <a:endParaRPr lang="en-US" altLang="ko-KR" sz="1600">
-              <a:latin typeface="나눔스퀘어라운드OTF Light" panose="020B0600000101010101" pitchFamily="34" charset="-127"/>
-              <a:ea typeface="나눔스퀘어라운드OTF Light" panose="020B0600000101010101" pitchFamily="34" charset="-127"/>
-            </a:endParaRPr>
-          </a:p>
-        </p:txBody>
-      </p:sp>
-      <p:sp>
-        <p:nvSpPr>
-          <p:cNvPr id="4" name="TextBox 3">
-            <a:extLst>
-              <a:ext uri="{FF2B5EF4-FFF2-40B4-BE49-F238E27FC236}">
-                <a16:creationId xmlns:a16="http://schemas.microsoft.com/office/drawing/2014/main" id="{404AB76D-E93E-4A5E-7E2D-9E394DC40DB3}"/>
-              </a:ext>
-            </a:extLst>
-          </p:cNvPr>
-          <p:cNvSpPr txBox="1"/>
-          <p:nvPr/>
-        </p:nvSpPr>
-        <p:spPr>
-          <a:xfrm>
-            <a:off x="4984985" y="299906"/>
-            <a:ext cx="2222083" cy="338554"/>
-          </a:xfrm>
-          <a:prstGeom prst="rect">
-            <a:avLst/>
-          </a:prstGeom>
-          <a:noFill/>
-        </p:spPr>
-        <p:txBody>
-          <a:bodyPr wrap="none" rtlCol="0">
-            <a:spAutoFit/>
-          </a:bodyPr>
-          <a:lstStyle/>
-          <a:p>
-            <a:pPr algn="ctr"/>
-            <a:r>
-              <a:rPr lang="ko-KR" altLang="en-US" sz="1600">
-                <a:latin typeface="나눔스퀘어라운드OTF Light" panose="020B0600000101010101" pitchFamily="34" charset="-127"/>
-                <a:ea typeface="나눔스퀘어라운드OTF Light" panose="020B0600000101010101" pitchFamily="34" charset="-127"/>
-              </a:rPr>
-              <a:t>관찰자 </a:t>
-            </a:r>
-            <a:r>
-              <a:rPr lang="en-US" altLang="ko-KR" sz="1600">
-                <a:latin typeface="나눔스퀘어라운드OTF Light" panose="020B0600000101010101" pitchFamily="34" charset="-127"/>
-                <a:ea typeface="나눔스퀘어라운드OTF Light" panose="020B0600000101010101" pitchFamily="34" charset="-127"/>
-              </a:rPr>
-              <a:t>: </a:t>
-            </a:r>
-            <a:r>
-              <a:rPr lang="ko-KR" altLang="en-US" sz="1600">
-                <a:latin typeface="나눔스퀘어라운드OTF Light" panose="020B0600000101010101" pitchFamily="34" charset="-127"/>
-                <a:ea typeface="나눔스퀘어라운드OTF Light" panose="020B0600000101010101" pitchFamily="34" charset="-127"/>
-              </a:rPr>
-              <a:t>어떻게 쓰는가</a:t>
-            </a:r>
-            <a:r>
-              <a:rPr lang="en-US" altLang="ko-KR" sz="1600">
-                <a:latin typeface="나눔스퀘어라운드OTF Light" panose="020B0600000101010101" pitchFamily="34" charset="-127"/>
-                <a:ea typeface="나눔스퀘어라운드OTF Light" panose="020B0600000101010101" pitchFamily="34" charset="-127"/>
-              </a:rPr>
-              <a:t>?</a:t>
-            </a:r>
-          </a:p>
-        </p:txBody>
-      </p:sp>
-      <p:sp>
-        <p:nvSpPr>
-          <p:cNvPr id="8" name="TextBox 7">
-            <a:extLst>
-              <a:ext uri="{FF2B5EF4-FFF2-40B4-BE49-F238E27FC236}">
-                <a16:creationId xmlns:a16="http://schemas.microsoft.com/office/drawing/2014/main" id="{21CDA4F0-977B-E510-5A33-3E5E817C4AC2}"/>
-              </a:ext>
-            </a:extLst>
-          </p:cNvPr>
-          <p:cNvSpPr txBox="1"/>
-          <p:nvPr/>
-        </p:nvSpPr>
-        <p:spPr>
-          <a:xfrm>
             <a:off x="6025746" y="2951539"/>
             <a:ext cx="6044412" cy="1323439"/>
           </a:xfrm>
@@ -16678,7 +16344,7 @@
         </p:nvSpPr>
         <p:spPr>
           <a:xfrm>
-            <a:off x="1078660" y="469183"/>
+            <a:off x="1078660" y="541062"/>
             <a:ext cx="4519863" cy="6186309"/>
           </a:xfrm>
           <a:prstGeom prst="rect">
@@ -16695,6 +16361,16 @@
             <a:r>
               <a:rPr lang="en-US" altLang="ko-KR" sz="1100" b="0">
                 <a:solidFill>
+                  <a:srgbClr val="6BA77F"/>
+                </a:solidFill>
+                <a:effectLst/>
+                <a:latin typeface="Consolas" panose="020B0609020204030204" pitchFamily="49" charset="0"/>
+              </a:rPr>
+              <a:t>public </a:t>
+            </a:r>
+            <a:r>
+              <a:rPr lang="en-US" altLang="ko-KR" sz="1100" b="0">
+                <a:solidFill>
                   <a:srgbClr val="8293A4"/>
                 </a:solidFill>
                 <a:effectLst/>
@@ -16724,8 +16400,6 @@
               </a:rPr>
               <a:t>{</a:t>
             </a:r>
-          </a:p>
-          <a:p>
             <a:br>
               <a:rPr lang="en-US" altLang="ko-KR" sz="1100" b="0">
                 <a:solidFill>
@@ -17950,7 +17624,7 @@
 </p:sld>
 </file>
 
-<file path=ppt/slides/slide34.xml><?xml version="1.0" encoding="utf-8"?>
+<file path=ppt/slides/slide33.xml><?xml version="1.0" encoding="utf-8"?>
 <p:sld xmlns:a="http://schemas.openxmlformats.org/drawingml/2006/main" xmlns:r="http://schemas.openxmlformats.org/officeDocument/2006/relationships" xmlns:p="http://schemas.openxmlformats.org/presentationml/2006/main">
   <p:cSld>
     <p:spTree>
@@ -17980,7 +17654,7 @@
 </p:sld>
 </file>
 
-<file path=ppt/slides/slide35.xml><?xml version="1.0" encoding="utf-8"?>
+<file path=ppt/slides/slide34.xml><?xml version="1.0" encoding="utf-8"?>
 <p:sld xmlns:a="http://schemas.openxmlformats.org/drawingml/2006/main" xmlns:r="http://schemas.openxmlformats.org/officeDocument/2006/relationships" xmlns:p="http://schemas.openxmlformats.org/presentationml/2006/main">
   <p:cSld>
     <p:spTree>
@@ -18247,8 +17921,8 @@
         </p:nvSpPr>
         <p:spPr>
           <a:xfrm>
-            <a:off x="3009291" y="3795638"/>
-            <a:ext cx="6173485" cy="338554"/>
+            <a:off x="3499814" y="3795638"/>
+            <a:ext cx="5192447" cy="338554"/>
           </a:xfrm>
           <a:prstGeom prst="rect">
             <a:avLst/>
@@ -18267,7 +17941,7 @@
                 <a:latin typeface="나눔스퀘어라운드OTF Light" panose="020B0600000101010101" pitchFamily="34" charset="-127"/>
                 <a:ea typeface="나눔스퀘어라운드OTF Light" panose="020B0600000101010101" pitchFamily="34" charset="-127"/>
               </a:rPr>
-              <a:t>복잡한 초기화 작업의 객체를 생성해주는 팩토리를 이용하는 디자인 패턴</a:t>
+              <a:t>객체를 생성하는 역할을 하는 팩토리를 이용하는 디자인 패턴</a:t>
             </a:r>
             <a:endParaRPr lang="en-US" altLang="ko-KR" sz="1600">
               <a:latin typeface="나눔스퀘어라운드OTF Light" panose="020B0600000101010101" pitchFamily="34" charset="-127"/>
